--- a/LCC/Python/00_Python簡介.pptx
+++ b/LCC/Python/00_Python簡介.pptx
@@ -2,7 +2,7 @@
 <file path=ppt/presentation.xml><?xml version="1.0" encoding="utf-8"?>
 <p:presentation xmlns:a="http://schemas.openxmlformats.org/drawingml/2006/main" xmlns:r="http://schemas.openxmlformats.org/officeDocument/2006/relationships" xmlns:p="http://schemas.openxmlformats.org/presentationml/2006/main" autoCompressPictures="0">
   <p:sldMasterIdLst>
-    <p:sldMasterId id="2147483648" r:id="rId1"/>
+    <p:sldMasterId id="2147483668" r:id="rId1"/>
   </p:sldMasterIdLst>
   <p:sldIdLst>
     <p:sldId id="256" r:id="rId2"/>
@@ -164,7 +164,7 @@
       </p:grpSpPr>
       <p:grpSp>
         <p:nvGrpSpPr>
-          <p:cNvPr id="7" name="Group 6"/>
+          <p:cNvPr id="16" name="Group 15"/>
           <p:cNvGrpSpPr/>
           <p:nvPr/>
         </p:nvGrpSpPr>
@@ -176,9 +176,72 @@
             <a:chExt cx="12192000" cy="6866467"/>
           </a:xfrm>
         </p:grpSpPr>
+        <p:sp>
+          <p:nvSpPr>
+            <p:cNvPr id="15" name="Freeform 14"/>
+            <p:cNvSpPr/>
+            <p:nvPr/>
+          </p:nvSpPr>
+          <p:spPr>
+            <a:xfrm>
+              <a:off x="0" y="-7862"/>
+              <a:ext cx="863600" cy="5698067"/>
+            </a:xfrm>
+            <a:custGeom>
+              <a:avLst/>
+              <a:gdLst/>
+              <a:ahLst/>
+              <a:cxnLst/>
+              <a:rect l="l" t="t" r="r" b="b"/>
+              <a:pathLst>
+                <a:path w="863600" h="5698067">
+                  <a:moveTo>
+                    <a:pt x="0" y="8467"/>
+                  </a:moveTo>
+                  <a:lnTo>
+                    <a:pt x="863600" y="0"/>
+                  </a:lnTo>
+                  <a:lnTo>
+                    <a:pt x="863600" y="16934"/>
+                  </a:lnTo>
+                  <a:lnTo>
+                    <a:pt x="0" y="5698067"/>
+                  </a:lnTo>
+                  <a:lnTo>
+                    <a:pt x="0" y="8467"/>
+                  </a:lnTo>
+                  <a:close/>
+                </a:path>
+              </a:pathLst>
+            </a:custGeom>
+            <a:solidFill>
+              <a:schemeClr val="accent1">
+                <a:alpha val="70000"/>
+              </a:schemeClr>
+            </a:solidFill>
+            <a:ln>
+              <a:noFill/>
+            </a:ln>
+            <a:effectLst/>
+          </p:spPr>
+          <p:style>
+            <a:lnRef idx="1">
+              <a:schemeClr val="accent1"/>
+            </a:lnRef>
+            <a:fillRef idx="3">
+              <a:schemeClr val="accent1"/>
+            </a:fillRef>
+            <a:effectRef idx="2">
+              <a:schemeClr val="accent1"/>
+            </a:effectRef>
+            <a:fontRef idx="minor">
+              <a:schemeClr val="lt1"/>
+            </a:fontRef>
+          </p:style>
+        </p:sp>
         <p:cxnSp>
           <p:nvCxnSpPr>
-            <p:cNvPr id="32" name="Straight Connector 31"/>
+            <p:cNvPr id="19" name="Straight Connector 18"/>
             <p:cNvCxnSpPr/>
             <p:nvPr/>
           </p:nvCxnSpPr>
@@ -192,8 +255,8 @@
             </a:prstGeom>
             <a:ln w="9525">
               <a:solidFill>
-                <a:schemeClr val="bg1">
-                  <a:lumMod val="75000"/>
+                <a:schemeClr val="accent1">
+                  <a:alpha val="70000"/>
                 </a:schemeClr>
               </a:solidFill>
             </a:ln>
@@ -215,7 +278,7 @@
         </p:cxnSp>
         <p:cxnSp>
           <p:nvCxnSpPr>
-            <p:cNvPr id="21" name="Straight Connector 20"/>
+            <p:cNvPr id="20" name="Straight Connector 19"/>
             <p:cNvCxnSpPr/>
             <p:nvPr/>
           </p:nvCxnSpPr>
@@ -229,8 +292,8 @@
             </a:prstGeom>
             <a:ln w="9525">
               <a:solidFill>
-                <a:schemeClr val="bg1">
-                  <a:lumMod val="85000"/>
+                <a:schemeClr val="accent1">
+                  <a:alpha val="70000"/>
                 </a:schemeClr>
               </a:solidFill>
             </a:ln>
@@ -252,7 +315,7 @@
         </p:cxnSp>
         <p:sp>
           <p:nvSpPr>
-            <p:cNvPr id="24" name="Rectangle 23"/>
+            <p:cNvPr id="21" name="Rectangle 23"/>
             <p:cNvSpPr/>
             <p:nvPr/>
           </p:nvSpPr>
@@ -290,7 +353,7 @@
             </a:custGeom>
             <a:solidFill>
               <a:schemeClr val="accent1">
-                <a:alpha val="30000"/>
+                <a:alpha val="36000"/>
               </a:schemeClr>
             </a:solidFill>
             <a:ln>
@@ -315,7 +378,7 @@
         </p:sp>
         <p:sp>
           <p:nvSpPr>
-            <p:cNvPr id="26" name="Rectangle 25"/>
+            <p:cNvPr id="22" name="Rectangle 25"/>
             <p:cNvSpPr/>
             <p:nvPr/>
           </p:nvSpPr>
@@ -378,7 +441,7 @@
         </p:sp>
         <p:sp>
           <p:nvSpPr>
-            <p:cNvPr id="27" name="Isosceles Triangle 26"/>
+            <p:cNvPr id="23" name="Isosceles Triangle 22"/>
             <p:cNvSpPr/>
             <p:nvPr/>
           </p:nvSpPr>
@@ -393,8 +456,9 @@
               </a:avLst>
             </a:prstGeom>
             <a:solidFill>
-              <a:schemeClr val="accent2">
-                <a:alpha val="72000"/>
+              <a:schemeClr val="accent1">
+                <a:lumMod val="75000"/>
+                <a:alpha val="66000"/>
               </a:schemeClr>
             </a:solidFill>
             <a:ln>
@@ -419,7 +483,7 @@
         </p:sp>
         <p:sp>
           <p:nvSpPr>
-            <p:cNvPr id="28" name="Rectangle 27"/>
+            <p:cNvPr id="24" name="Rectangle 27"/>
             <p:cNvSpPr/>
             <p:nvPr/>
           </p:nvSpPr>
@@ -456,9 +520,9 @@
               </a:pathLst>
             </a:custGeom>
             <a:solidFill>
-              <a:schemeClr val="accent2">
+              <a:schemeClr val="accent1">
                 <a:lumMod val="75000"/>
-                <a:alpha val="70000"/>
+                <a:alpha val="50000"/>
               </a:schemeClr>
             </a:solidFill>
             <a:ln>
@@ -483,7 +547,7 @@
         </p:sp>
         <p:sp>
           <p:nvSpPr>
-            <p:cNvPr id="29" name="Rectangle 28"/>
+            <p:cNvPr id="25" name="Rectangle 28"/>
             <p:cNvSpPr/>
             <p:nvPr/>
           </p:nvSpPr>
@@ -520,9 +584,7 @@
               </a:pathLst>
             </a:custGeom>
             <a:solidFill>
-              <a:schemeClr val="accent1">
-                <a:lumMod val="60000"/>
-                <a:lumOff val="40000"/>
+              <a:schemeClr val="accent2">
                 <a:alpha val="70000"/>
               </a:schemeClr>
             </a:solidFill>
@@ -548,7 +610,7 @@
         </p:sp>
         <p:sp>
           <p:nvSpPr>
-            <p:cNvPr id="30" name="Rectangle 29"/>
+            <p:cNvPr id="26" name="Rectangle 29"/>
             <p:cNvSpPr/>
             <p:nvPr/>
           </p:nvSpPr>
@@ -585,48 +647,8 @@
               </a:pathLst>
             </a:custGeom>
             <a:solidFill>
-              <a:schemeClr val="accent1">
-                <a:alpha val="65000"/>
-              </a:schemeClr>
-            </a:solidFill>
-            <a:ln>
-              <a:noFill/>
-            </a:ln>
-            <a:effectLst/>
-          </p:spPr>
-          <p:style>
-            <a:lnRef idx="1">
-              <a:schemeClr val="accent1"/>
-            </a:lnRef>
-            <a:fillRef idx="3">
-              <a:schemeClr val="accent1"/>
-            </a:fillRef>
-            <a:effectRef idx="2">
-              <a:schemeClr val="accent1"/>
-            </a:effectRef>
-            <a:fontRef idx="minor">
-              <a:schemeClr val="lt1"/>
-            </a:fontRef>
-          </p:style>
-        </p:sp>
-        <p:sp>
-          <p:nvSpPr>
-            <p:cNvPr id="31" name="Isosceles Triangle 30"/>
-            <p:cNvSpPr/>
-            <p:nvPr/>
-          </p:nvSpPr>
-          <p:spPr>
-            <a:xfrm>
-              <a:off x="10371666" y="3589867"/>
-              <a:ext cx="1817159" cy="3268133"/>
-            </a:xfrm>
-            <a:prstGeom prst="triangle">
-              <a:avLst>
-                <a:gd name="adj" fmla="val 100000"/>
-              </a:avLst>
-            </a:prstGeom>
-            <a:solidFill>
-              <a:schemeClr val="accent1">
+              <a:schemeClr val="accent2">
+                <a:lumMod val="75000"/>
                 <a:alpha val="80000"/>
               </a:schemeClr>
             </a:solidFill>
@@ -652,14 +674,14 @@
         </p:sp>
         <p:sp>
           <p:nvSpPr>
-            <p:cNvPr id="19" name="Isosceles Triangle 18"/>
+            <p:cNvPr id="27" name="Isosceles Triangle 26"/>
             <p:cNvSpPr/>
             <p:nvPr/>
           </p:nvSpPr>
           <p:spPr>
-            <a:xfrm rot="10800000">
-              <a:off x="0" y="0"/>
-              <a:ext cx="842596" cy="5666154"/>
+            <a:xfrm>
+              <a:off x="10371666" y="3589867"/>
+              <a:ext cx="1817159" cy="3268133"/>
             </a:xfrm>
             <a:prstGeom prst="triangle">
               <a:avLst>
@@ -668,7 +690,8 @@
             </a:prstGeom>
             <a:solidFill>
               <a:schemeClr val="accent1">
-                <a:alpha val="85000"/>
+                <a:lumMod val="75000"/>
+                <a:alpha val="66000"/>
               </a:schemeClr>
             </a:solidFill>
             <a:ln>
@@ -714,16 +737,16 @@
           </a:bodyPr>
           <a:lstStyle>
             <a:lvl1pPr algn="r">
-              <a:defRPr sz="5400">
+              <a:defRPr sz="4800">
                 <a:solidFill>
-                  <a:schemeClr val="accent1"/>
+                  <a:srgbClr val="0070C0"/>
                 </a:solidFill>
               </a:defRPr>
             </a:lvl1pPr>
           </a:lstStyle>
           <a:p>
             <a:r>
-              <a:rPr lang="zh-TW" altLang="en-US" smtClean="0"/>
+              <a:rPr lang="zh-TW" altLang="en-US" dirty="0" smtClean="0"/>
               <a:t>按一下以編輯母片標題樣式</a:t>
             </a:r>
             <a:endParaRPr lang="en-US" dirty="0"/>
@@ -866,7 +889,7 @@
           <a:lstStyle/>
           <a:p>
             <a:fld id="{B61BEF0D-F0BB-DE4B-95CE-6DB70DBA9567}" type="datetimeFigureOut">
-              <a:rPr lang="en-US" dirty="0"/>
+              <a:rPr lang="en-US" smtClean="0"/>
               <a:pPr/>
               <a:t>12/28/2020</a:t>
             </a:fld>
@@ -909,7 +932,7 @@
           <a:lstStyle/>
           <a:p>
             <a:fld id="{D57F1E4F-1CFF-5643-939E-217C01CDF565}" type="slidenum">
-              <a:rPr lang="en-US" dirty="0"/>
+              <a:rPr lang="en-US" smtClean="0"/>
               <a:pPr/>
               <a:t>‹#›</a:t>
             </a:fld>
@@ -918,6 +941,11 @@
         </p:txBody>
       </p:sp>
     </p:spTree>
+    <p:extLst>
+      <p:ext uri="{BB962C8B-B14F-4D97-AF65-F5344CB8AC3E}">
+        <p14:creationId xmlns:p14="http://schemas.microsoft.com/office/powerpoint/2010/main" val="88269995"/>
+      </p:ext>
+    </p:extLst>
   </p:cSld>
   <p:clrMapOvr>
     <a:masterClrMapping/>
@@ -1114,7 +1142,7 @@
           <a:lstStyle/>
           <a:p>
             <a:fld id="{B61BEF0D-F0BB-DE4B-95CE-6DB70DBA9567}" type="datetimeFigureOut">
-              <a:rPr lang="en-US" dirty="0"/>
+              <a:rPr lang="en-US" smtClean="0"/>
               <a:pPr/>
               <a:t>12/28/2020</a:t>
             </a:fld>
@@ -1157,7 +1185,7 @@
           <a:lstStyle/>
           <a:p>
             <a:fld id="{D57F1E4F-1CFF-5643-939E-217C01CDF565}" type="slidenum">
-              <a:rPr lang="en-US" dirty="0"/>
+              <a:rPr lang="en-US" smtClean="0"/>
               <a:pPr/>
               <a:t>‹#›</a:t>
             </a:fld>
@@ -1166,6 +1194,11 @@
         </p:txBody>
       </p:sp>
     </p:spTree>
+    <p:extLst>
+      <p:ext uri="{BB962C8B-B14F-4D97-AF65-F5344CB8AC3E}">
+        <p14:creationId xmlns:p14="http://schemas.microsoft.com/office/powerpoint/2010/main" val="27892920"/>
+      </p:ext>
+    </p:extLst>
   </p:cSld>
   <p:clrMapOvr>
     <a:masterClrMapping/>
@@ -1425,7 +1458,7 @@
           <a:lstStyle/>
           <a:p>
             <a:fld id="{B61BEF0D-F0BB-DE4B-95CE-6DB70DBA9567}" type="datetimeFigureOut">
-              <a:rPr lang="en-US" dirty="0"/>
+              <a:rPr lang="en-US" smtClean="0"/>
               <a:pPr/>
               <a:t>12/28/2020</a:t>
             </a:fld>
@@ -1468,7 +1501,7 @@
           <a:lstStyle/>
           <a:p>
             <a:fld id="{D57F1E4F-1CFF-5643-939E-217C01CDF565}" type="slidenum">
-              <a:rPr lang="en-US" dirty="0"/>
+              <a:rPr lang="en-US" smtClean="0"/>
               <a:pPr/>
               <a:t>‹#›</a:t>
             </a:fld>
@@ -1478,7 +1511,7 @@
       </p:sp>
       <p:sp>
         <p:nvSpPr>
-          <p:cNvPr id="20" name="TextBox 19"/>
+          <p:cNvPr id="24" name="TextBox 23"/>
           <p:cNvSpPr txBox="1"/>
           <p:nvPr/>
         </p:nvSpPr>
@@ -1519,7 +1552,7 @@
       </p:sp>
       <p:sp>
         <p:nvSpPr>
-          <p:cNvPr id="22" name="TextBox 21"/>
+          <p:cNvPr id="25" name="TextBox 24"/>
           <p:cNvSpPr txBox="1"/>
           <p:nvPr/>
         </p:nvSpPr>
@@ -1550,23 +1583,20 @@
                     <a:lumOff val="40000"/>
                   </a:schemeClr>
                 </a:solidFill>
+                <a:effectLst/>
                 <a:latin typeface="Arial"/>
               </a:rPr>
               <a:t>”</a:t>
             </a:r>
-            <a:endParaRPr lang="en-US" dirty="0">
-              <a:solidFill>
-                <a:schemeClr val="accent1">
-                  <a:lumMod val="60000"/>
-                  <a:lumOff val="40000"/>
-                </a:schemeClr>
-              </a:solidFill>
-              <a:latin typeface="Arial"/>
-            </a:endParaRPr>
           </a:p>
         </p:txBody>
       </p:sp>
     </p:spTree>
+    <p:extLst>
+      <p:ext uri="{BB962C8B-B14F-4D97-AF65-F5344CB8AC3E}">
+        <p14:creationId xmlns:p14="http://schemas.microsoft.com/office/powerpoint/2010/main" val="4100637714"/>
+      </p:ext>
+    </p:extLst>
   </p:cSld>
   <p:clrMapOvr>
     <a:masterClrMapping/>
@@ -1763,7 +1793,7 @@
           <a:lstStyle/>
           <a:p>
             <a:fld id="{B61BEF0D-F0BB-DE4B-95CE-6DB70DBA9567}" type="datetimeFigureOut">
-              <a:rPr lang="en-US" dirty="0"/>
+              <a:rPr lang="en-US" smtClean="0"/>
               <a:pPr/>
               <a:t>12/28/2020</a:t>
             </a:fld>
@@ -1806,7 +1836,7 @@
           <a:lstStyle/>
           <a:p>
             <a:fld id="{D57F1E4F-1CFF-5643-939E-217C01CDF565}" type="slidenum">
-              <a:rPr lang="en-US" dirty="0"/>
+              <a:rPr lang="en-US" smtClean="0"/>
               <a:pPr/>
               <a:t>‹#›</a:t>
             </a:fld>
@@ -1815,6 +1845,11 @@
         </p:txBody>
       </p:sp>
     </p:spTree>
+    <p:extLst>
+      <p:ext uri="{BB962C8B-B14F-4D97-AF65-F5344CB8AC3E}">
+        <p14:creationId xmlns:p14="http://schemas.microsoft.com/office/powerpoint/2010/main" val="2186852687"/>
+      </p:ext>
+    </p:extLst>
   </p:cSld>
   <p:clrMapOvr>
     <a:masterClrMapping/>
@@ -2074,7 +2109,7 @@
           <a:lstStyle/>
           <a:p>
             <a:fld id="{B61BEF0D-F0BB-DE4B-95CE-6DB70DBA9567}" type="datetimeFigureOut">
-              <a:rPr lang="en-US" dirty="0"/>
+              <a:rPr lang="en-US" smtClean="0"/>
               <a:pPr/>
               <a:t>12/28/2020</a:t>
             </a:fld>
@@ -2117,7 +2152,7 @@
           <a:lstStyle/>
           <a:p>
             <a:fld id="{D57F1E4F-1CFF-5643-939E-217C01CDF565}" type="slidenum">
-              <a:rPr lang="en-US" dirty="0"/>
+              <a:rPr lang="en-US" smtClean="0"/>
               <a:pPr/>
               <a:t>‹#›</a:t>
             </a:fld>
@@ -2208,6 +2243,11 @@
         </p:txBody>
       </p:sp>
     </p:spTree>
+    <p:extLst>
+      <p:ext uri="{BB962C8B-B14F-4D97-AF65-F5344CB8AC3E}">
+        <p14:creationId xmlns:p14="http://schemas.microsoft.com/office/powerpoint/2010/main" val="3268287351"/>
+      </p:ext>
+    </p:extLst>
   </p:cSld>
   <p:clrMapOvr>
     <a:masterClrMapping/>
@@ -2464,7 +2504,7 @@
           <a:lstStyle/>
           <a:p>
             <a:fld id="{B61BEF0D-F0BB-DE4B-95CE-6DB70DBA9567}" type="datetimeFigureOut">
-              <a:rPr lang="en-US" dirty="0"/>
+              <a:rPr lang="en-US" smtClean="0"/>
               <a:pPr/>
               <a:t>12/28/2020</a:t>
             </a:fld>
@@ -2507,7 +2547,7 @@
           <a:lstStyle/>
           <a:p>
             <a:fld id="{D57F1E4F-1CFF-5643-939E-217C01CDF565}" type="slidenum">
-              <a:rPr lang="en-US" dirty="0"/>
+              <a:rPr lang="en-US" smtClean="0"/>
               <a:pPr/>
               <a:t>‹#›</a:t>
             </a:fld>
@@ -2516,6 +2556,11 @@
         </p:txBody>
       </p:sp>
     </p:spTree>
+    <p:extLst>
+      <p:ext uri="{BB962C8B-B14F-4D97-AF65-F5344CB8AC3E}">
+        <p14:creationId xmlns:p14="http://schemas.microsoft.com/office/powerpoint/2010/main" val="56479200"/>
+      </p:ext>
+    </p:extLst>
   </p:cSld>
   <p:clrMapOvr>
     <a:masterClrMapping/>
@@ -2631,7 +2676,7 @@
           <a:lstStyle/>
           <a:p>
             <a:fld id="{55C6B4A9-1611-4792-9094-5F34BCA07E0B}" type="datetimeFigureOut">
-              <a:rPr lang="en-US" dirty="0"/>
+              <a:rPr lang="en-US" smtClean="0"/>
               <a:t>12/28/2020</a:t>
             </a:fld>
             <a:endParaRPr lang="en-US" dirty="0"/>
@@ -2673,7 +2718,7 @@
           <a:lstStyle/>
           <a:p>
             <a:fld id="{89333C77-0158-454C-844F-B7AB9BD7DAD4}" type="slidenum">
-              <a:rPr lang="en-US" dirty="0"/>
+              <a:rPr lang="en-US" smtClean="0"/>
               <a:t>‹#›</a:t>
             </a:fld>
             <a:endParaRPr lang="en-US" dirty="0"/>
@@ -2681,6 +2726,11 @@
         </p:txBody>
       </p:sp>
     </p:spTree>
+    <p:extLst>
+      <p:ext uri="{BB962C8B-B14F-4D97-AF65-F5344CB8AC3E}">
+        <p14:creationId xmlns:p14="http://schemas.microsoft.com/office/powerpoint/2010/main" val="3628787571"/>
+      </p:ext>
+    </p:extLst>
   </p:cSld>
   <p:clrMapOvr>
     <a:masterClrMapping/>
@@ -2806,7 +2856,7 @@
           <a:lstStyle/>
           <a:p>
             <a:fld id="{B61BEF0D-F0BB-DE4B-95CE-6DB70DBA9567}" type="datetimeFigureOut">
-              <a:rPr lang="en-US" dirty="0"/>
+              <a:rPr lang="en-US" smtClean="0"/>
               <a:pPr/>
               <a:t>12/28/2020</a:t>
             </a:fld>
@@ -2849,7 +2899,7 @@
           <a:lstStyle/>
           <a:p>
             <a:fld id="{D57F1E4F-1CFF-5643-939E-217C01CDF565}" type="slidenum">
-              <a:rPr lang="en-US" dirty="0"/>
+              <a:rPr lang="en-US" smtClean="0"/>
               <a:pPr/>
               <a:t>‹#›</a:t>
             </a:fld>
@@ -2858,6 +2908,11 @@
         </p:txBody>
       </p:sp>
     </p:spTree>
+    <p:extLst>
+      <p:ext uri="{BB962C8B-B14F-4D97-AF65-F5344CB8AC3E}">
+        <p14:creationId xmlns:p14="http://schemas.microsoft.com/office/powerpoint/2010/main" val="751436455"/>
+      </p:ext>
+    </p:extLst>
   </p:cSld>
   <p:clrMapOvr>
     <a:masterClrMapping/>
@@ -2894,14 +2949,8 @@
         </p:nvSpPr>
         <p:spPr/>
         <p:txBody>
-          <a:bodyPr>
-            <a:normAutofit/>
-          </a:bodyPr>
-          <a:lstStyle>
-            <a:lvl1pPr>
-              <a:defRPr sz="3600"/>
-            </a:lvl1pPr>
-          </a:lstStyle>
+          <a:bodyPr/>
+          <a:lstStyle/>
           <a:p>
             <a:r>
               <a:rPr lang="zh-TW" altLang="en-US" smtClean="0"/>
@@ -2924,56 +2973,39 @@
         <p:spPr/>
         <p:txBody>
           <a:bodyPr/>
-          <a:lstStyle>
-            <a:lvl2pPr>
-              <a:defRPr>
-                <a:solidFill>
-                  <a:schemeClr val="accent5">
-                    <a:lumMod val="75000"/>
-                  </a:schemeClr>
-                </a:solidFill>
-              </a:defRPr>
-            </a:lvl2pPr>
-            <a:lvl3pPr>
-              <a:defRPr>
-                <a:solidFill>
-                  <a:srgbClr val="0070C0"/>
-                </a:solidFill>
-              </a:defRPr>
-            </a:lvl3pPr>
-          </a:lstStyle>
+          <a:lstStyle/>
           <a:p>
             <a:pPr lvl="0"/>
             <a:r>
-              <a:rPr lang="zh-TW" altLang="en-US" dirty="0" smtClean="0"/>
+              <a:rPr lang="zh-TW" altLang="en-US" smtClean="0"/>
               <a:t>編輯母片文字樣式</a:t>
             </a:r>
           </a:p>
           <a:p>
             <a:pPr lvl="1"/>
             <a:r>
-              <a:rPr lang="zh-TW" altLang="en-US" dirty="0" smtClean="0"/>
+              <a:rPr lang="zh-TW" altLang="en-US" smtClean="0"/>
               <a:t>第二層</a:t>
             </a:r>
           </a:p>
           <a:p>
             <a:pPr lvl="2"/>
             <a:r>
-              <a:rPr lang="zh-TW" altLang="en-US" dirty="0" smtClean="0"/>
+              <a:rPr lang="zh-TW" altLang="en-US" smtClean="0"/>
               <a:t>第三層</a:t>
             </a:r>
           </a:p>
           <a:p>
             <a:pPr lvl="3"/>
             <a:r>
-              <a:rPr lang="zh-TW" altLang="en-US" dirty="0" smtClean="0"/>
+              <a:rPr lang="zh-TW" altLang="en-US" smtClean="0"/>
               <a:t>第四層</a:t>
             </a:r>
           </a:p>
           <a:p>
             <a:pPr lvl="4"/>
             <a:r>
-              <a:rPr lang="zh-TW" altLang="en-US" dirty="0" smtClean="0"/>
+              <a:rPr lang="zh-TW" altLang="en-US" smtClean="0"/>
               <a:t>第五層</a:t>
             </a:r>
             <a:endParaRPr lang="en-US" dirty="0"/>
@@ -2996,7 +3028,7 @@
           <a:lstStyle/>
           <a:p>
             <a:fld id="{B61BEF0D-F0BB-DE4B-95CE-6DB70DBA9567}" type="datetimeFigureOut">
-              <a:rPr lang="en-US" dirty="0"/>
+              <a:rPr lang="en-US" smtClean="0"/>
               <a:pPr/>
               <a:t>12/28/2020</a:t>
             </a:fld>
@@ -3039,7 +3071,7 @@
           <a:lstStyle/>
           <a:p>
             <a:fld id="{D57F1E4F-1CFF-5643-939E-217C01CDF565}" type="slidenum">
-              <a:rPr lang="en-US" dirty="0"/>
+              <a:rPr lang="en-US" smtClean="0"/>
               <a:pPr/>
               <a:t>‹#›</a:t>
             </a:fld>
@@ -3048,6 +3080,11 @@
         </p:txBody>
       </p:sp>
     </p:spTree>
+    <p:extLst>
+      <p:ext uri="{BB962C8B-B14F-4D97-AF65-F5344CB8AC3E}">
+        <p14:creationId xmlns:p14="http://schemas.microsoft.com/office/powerpoint/2010/main" val="2921186485"/>
+      </p:ext>
+    </p:extLst>
   </p:cSld>
   <p:clrMapOvr>
     <a:masterClrMapping/>
@@ -3240,7 +3277,7 @@
           <a:lstStyle/>
           <a:p>
             <a:fld id="{B61BEF0D-F0BB-DE4B-95CE-6DB70DBA9567}" type="datetimeFigureOut">
-              <a:rPr lang="en-US" dirty="0"/>
+              <a:rPr lang="en-US" smtClean="0"/>
               <a:pPr/>
               <a:t>12/28/2020</a:t>
             </a:fld>
@@ -3283,7 +3320,7 @@
           <a:lstStyle/>
           <a:p>
             <a:fld id="{D57F1E4F-1CFF-5643-939E-217C01CDF565}" type="slidenum">
-              <a:rPr lang="en-US" dirty="0"/>
+              <a:rPr lang="en-US" smtClean="0"/>
               <a:pPr/>
               <a:t>‹#›</a:t>
             </a:fld>
@@ -3292,6 +3329,11 @@
         </p:txBody>
       </p:sp>
     </p:spTree>
+    <p:extLst>
+      <p:ext uri="{BB962C8B-B14F-4D97-AF65-F5344CB8AC3E}">
+        <p14:creationId xmlns:p14="http://schemas.microsoft.com/office/powerpoint/2010/main" val="1022594253"/>
+      </p:ext>
+    </p:extLst>
   </p:cSld>
   <p:clrMapOvr>
     <a:masterClrMapping/>
@@ -3469,7 +3511,7 @@
           <a:lstStyle/>
           <a:p>
             <a:fld id="{EB712588-04B1-427B-82EE-E8DB90309F08}" type="datetimeFigureOut">
-              <a:rPr lang="en-US" dirty="0"/>
+              <a:rPr lang="en-US" smtClean="0"/>
               <a:t>12/28/2020</a:t>
             </a:fld>
             <a:endParaRPr lang="en-US" dirty="0"/>
@@ -3511,7 +3553,7 @@
           <a:lstStyle/>
           <a:p>
             <a:fld id="{6FF9F0C5-380F-41C2-899A-BAC0F0927E16}" type="slidenum">
-              <a:rPr lang="en-US" dirty="0"/>
+              <a:rPr lang="en-US" smtClean="0"/>
               <a:t>‹#›</a:t>
             </a:fld>
             <a:endParaRPr lang="en-US" dirty="0"/>
@@ -3519,6 +3561,11 @@
         </p:txBody>
       </p:sp>
     </p:spTree>
+    <p:extLst>
+      <p:ext uri="{BB962C8B-B14F-4D97-AF65-F5344CB8AC3E}">
+        <p14:creationId xmlns:p14="http://schemas.microsoft.com/office/powerpoint/2010/main" val="2452932218"/>
+      </p:ext>
+    </p:extLst>
   </p:cSld>
   <p:clrMapOvr>
     <a:masterClrMapping/>
@@ -3838,7 +3885,7 @@
           <a:lstStyle/>
           <a:p>
             <a:fld id="{B61BEF0D-F0BB-DE4B-95CE-6DB70DBA9567}" type="datetimeFigureOut">
-              <a:rPr lang="en-US" dirty="0"/>
+              <a:rPr lang="en-US" smtClean="0"/>
               <a:pPr/>
               <a:t>12/28/2020</a:t>
             </a:fld>
@@ -3881,7 +3928,7 @@
           <a:lstStyle/>
           <a:p>
             <a:fld id="{D57F1E4F-1CFF-5643-939E-217C01CDF565}" type="slidenum">
-              <a:rPr lang="en-US" dirty="0"/>
+              <a:rPr lang="en-US" smtClean="0"/>
               <a:pPr/>
               <a:t>‹#›</a:t>
             </a:fld>
@@ -3890,6 +3937,11 @@
         </p:txBody>
       </p:sp>
     </p:spTree>
+    <p:extLst>
+      <p:ext uri="{BB962C8B-B14F-4D97-AF65-F5344CB8AC3E}">
+        <p14:creationId xmlns:p14="http://schemas.microsoft.com/office/powerpoint/2010/main" val="3946128610"/>
+      </p:ext>
+    </p:extLst>
   </p:cSld>
   <p:clrMapOvr>
     <a:masterClrMapping/>
@@ -3958,7 +4010,7 @@
           <a:lstStyle/>
           <a:p>
             <a:fld id="{B61BEF0D-F0BB-DE4B-95CE-6DB70DBA9567}" type="datetimeFigureOut">
-              <a:rPr lang="en-US" dirty="0"/>
+              <a:rPr lang="en-US" smtClean="0"/>
               <a:pPr/>
               <a:t>12/28/2020</a:t>
             </a:fld>
@@ -4001,7 +4053,7 @@
           <a:lstStyle/>
           <a:p>
             <a:fld id="{D57F1E4F-1CFF-5643-939E-217C01CDF565}" type="slidenum">
-              <a:rPr lang="en-US" dirty="0"/>
+              <a:rPr lang="en-US" smtClean="0"/>
               <a:pPr/>
               <a:t>‹#›</a:t>
             </a:fld>
@@ -4010,6 +4062,11 @@
         </p:txBody>
       </p:sp>
     </p:spTree>
+    <p:extLst>
+      <p:ext uri="{BB962C8B-B14F-4D97-AF65-F5344CB8AC3E}">
+        <p14:creationId xmlns:p14="http://schemas.microsoft.com/office/powerpoint/2010/main" val="1365482126"/>
+      </p:ext>
+    </p:extLst>
   </p:cSld>
   <p:clrMapOvr>
     <a:masterClrMapping/>
@@ -4050,7 +4107,7 @@
           <a:lstStyle/>
           <a:p>
             <a:fld id="{B61BEF0D-F0BB-DE4B-95CE-6DB70DBA9567}" type="datetimeFigureOut">
-              <a:rPr lang="en-US" dirty="0"/>
+              <a:rPr lang="en-US" smtClean="0"/>
               <a:pPr/>
               <a:t>12/28/2020</a:t>
             </a:fld>
@@ -4093,7 +4150,7 @@
           <a:lstStyle/>
           <a:p>
             <a:fld id="{D57F1E4F-1CFF-5643-939E-217C01CDF565}" type="slidenum">
-              <a:rPr lang="en-US" dirty="0"/>
+              <a:rPr lang="en-US" smtClean="0"/>
               <a:pPr/>
               <a:t>‹#›</a:t>
             </a:fld>
@@ -4102,6 +4159,11 @@
         </p:txBody>
       </p:sp>
     </p:spTree>
+    <p:extLst>
+      <p:ext uri="{BB962C8B-B14F-4D97-AF65-F5344CB8AC3E}">
+        <p14:creationId xmlns:p14="http://schemas.microsoft.com/office/powerpoint/2010/main" val="855145311"/>
+      </p:ext>
+    </p:extLst>
   </p:cSld>
   <p:clrMapOvr>
     <a:masterClrMapping/>
@@ -4302,7 +4364,7 @@
           <a:lstStyle/>
           <a:p>
             <a:fld id="{42A54C80-263E-416B-A8E0-580EDEADCBDC}" type="datetimeFigureOut">
-              <a:rPr lang="en-US" dirty="0"/>
+              <a:rPr lang="en-US" smtClean="0"/>
               <a:t>12/28/2020</a:t>
             </a:fld>
             <a:endParaRPr lang="en-US" dirty="0"/>
@@ -4344,7 +4406,7 @@
           <a:lstStyle/>
           <a:p>
             <a:fld id="{519954A3-9DFD-4C44-94BA-B95130A3BA1C}" type="slidenum">
-              <a:rPr lang="en-US" dirty="0"/>
+              <a:rPr lang="en-US" smtClean="0"/>
               <a:t>‹#›</a:t>
             </a:fld>
             <a:endParaRPr lang="en-US" dirty="0"/>
@@ -4352,6 +4414,11 @@
         </p:txBody>
       </p:sp>
     </p:spTree>
+    <p:extLst>
+      <p:ext uri="{BB962C8B-B14F-4D97-AF65-F5344CB8AC3E}">
+        <p14:creationId xmlns:p14="http://schemas.microsoft.com/office/powerpoint/2010/main" val="680196184"/>
+      </p:ext>
+    </p:extLst>
   </p:cSld>
   <p:clrMapOvr>
     <a:masterClrMapping/>
@@ -4546,30 +4613,6 @@
       </p:sp>
       <p:sp>
         <p:nvSpPr>
-          <p:cNvPr id="5" name="Date Placeholder 4"/>
-          <p:cNvSpPr>
-            <a:spLocks noGrp="1"/>
-          </p:cNvSpPr>
-          <p:nvPr>
-            <p:ph type="dt" sz="half" idx="10"/>
-          </p:nvPr>
-        </p:nvSpPr>
-        <p:spPr/>
-        <p:txBody>
-          <a:bodyPr/>
-          <a:lstStyle/>
-          <a:p>
-            <a:fld id="{B61BEF0D-F0BB-DE4B-95CE-6DB70DBA9567}" type="datetimeFigureOut">
-              <a:rPr lang="en-US" dirty="0"/>
-              <a:pPr/>
-              <a:t>12/28/2020</a:t>
-            </a:fld>
-            <a:endParaRPr lang="en-US" dirty="0"/>
-          </a:p>
-        </p:txBody>
-      </p:sp>
-      <p:sp>
-        <p:nvSpPr>
           <p:cNvPr id="6" name="Footer Placeholder 5"/>
           <p:cNvSpPr>
             <a:spLocks noGrp="1"/>
@@ -4603,7 +4646,7 @@
           <a:lstStyle/>
           <a:p>
             <a:fld id="{D57F1E4F-1CFF-5643-939E-217C01CDF565}" type="slidenum">
-              <a:rPr lang="en-US" dirty="0"/>
+              <a:rPr lang="en-US" smtClean="0"/>
               <a:pPr/>
               <a:t>‹#›</a:t>
             </a:fld>
@@ -4611,7 +4654,36 @@
           </a:p>
         </p:txBody>
       </p:sp>
+      <p:sp>
+        <p:nvSpPr>
+          <p:cNvPr id="5" name="Date Placeholder 4"/>
+          <p:cNvSpPr>
+            <a:spLocks noGrp="1"/>
+          </p:cNvSpPr>
+          <p:nvPr>
+            <p:ph type="dt" sz="half" idx="10"/>
+          </p:nvPr>
+        </p:nvSpPr>
+        <p:spPr/>
+        <p:txBody>
+          <a:bodyPr/>
+          <a:lstStyle/>
+          <a:p>
+            <a:fld id="{B61BEF0D-F0BB-DE4B-95CE-6DB70DBA9567}" type="datetimeFigureOut">
+              <a:rPr lang="en-US" smtClean="0"/>
+              <a:pPr/>
+              <a:t>12/28/2020</a:t>
+            </a:fld>
+            <a:endParaRPr lang="en-US" dirty="0"/>
+          </a:p>
+        </p:txBody>
+      </p:sp>
     </p:spTree>
+    <p:extLst>
+      <p:ext uri="{BB962C8B-B14F-4D97-AF65-F5344CB8AC3E}">
+        <p14:creationId xmlns:p14="http://schemas.microsoft.com/office/powerpoint/2010/main" val="4103597249"/>
+      </p:ext>
+    </p:extLst>
   </p:cSld>
   <p:clrMapOvr>
     <a:masterClrMapping/>
@@ -4643,7 +4715,7 @@
       </p:grpSpPr>
       <p:grpSp>
         <p:nvGrpSpPr>
-          <p:cNvPr id="7" name="Group 6"/>
+          <p:cNvPr id="44" name="Group 43"/>
           <p:cNvGrpSpPr/>
           <p:nvPr/>
         </p:nvGrpSpPr>
@@ -4671,8 +4743,8 @@
             </a:prstGeom>
             <a:ln w="9525">
               <a:solidFill>
-                <a:schemeClr val="bg1">
-                  <a:lumMod val="75000"/>
+                <a:schemeClr val="accent1">
+                  <a:alpha val="70000"/>
                 </a:schemeClr>
               </a:solidFill>
             </a:ln>
@@ -4708,8 +4780,8 @@
             </a:prstGeom>
             <a:ln w="9525">
               <a:solidFill>
-                <a:schemeClr val="bg1">
-                  <a:lumMod val="85000"/>
+                <a:schemeClr val="accent1">
+                  <a:alpha val="70000"/>
                 </a:schemeClr>
               </a:solidFill>
             </a:ln>
@@ -4769,7 +4841,7 @@
             </a:custGeom>
             <a:solidFill>
               <a:schemeClr val="accent1">
-                <a:alpha val="30000"/>
+                <a:alpha val="36000"/>
               </a:schemeClr>
             </a:solidFill>
             <a:ln>
@@ -4872,8 +4944,9 @@
               </a:avLst>
             </a:prstGeom>
             <a:solidFill>
-              <a:schemeClr val="accent2">
-                <a:alpha val="72000"/>
+              <a:schemeClr val="accent1">
+                <a:lumMod val="75000"/>
+                <a:alpha val="66000"/>
               </a:schemeClr>
             </a:solidFill>
             <a:ln>
@@ -4935,9 +5008,9 @@
               </a:pathLst>
             </a:custGeom>
             <a:solidFill>
-              <a:schemeClr val="accent2">
+              <a:schemeClr val="accent1">
                 <a:lumMod val="75000"/>
-                <a:alpha val="70000"/>
+                <a:alpha val="50000"/>
               </a:schemeClr>
             </a:solidFill>
             <a:ln>
@@ -4999,9 +5072,7 @@
               </a:pathLst>
             </a:custGeom>
             <a:solidFill>
-              <a:schemeClr val="accent1">
-                <a:lumMod val="60000"/>
-                <a:lumOff val="40000"/>
+              <a:schemeClr val="accent2">
                 <a:alpha val="70000"/>
               </a:schemeClr>
             </a:solidFill>
@@ -5064,8 +5135,9 @@
               </a:pathLst>
             </a:custGeom>
             <a:solidFill>
-              <a:schemeClr val="accent1">
-                <a:alpha val="65000"/>
+              <a:schemeClr val="accent2">
+                <a:lumMod val="75000"/>
+                <a:alpha val="80000"/>
               </a:schemeClr>
             </a:solidFill>
             <a:ln>
@@ -5106,7 +5178,8 @@
             </a:prstGeom>
             <a:solidFill>
               <a:schemeClr val="accent1">
-                <a:alpha val="80000"/>
+                <a:lumMod val="75000"/>
+                <a:alpha val="66000"/>
               </a:schemeClr>
             </a:solidFill>
             <a:ln>
@@ -5131,7 +5204,7 @@
         </p:sp>
         <p:sp>
           <p:nvSpPr>
-            <p:cNvPr id="29" name="Isosceles Triangle 28"/>
+            <p:cNvPr id="19" name="Isosceles Triangle 18"/>
             <p:cNvSpPr/>
             <p:nvPr/>
           </p:nvSpPr>
@@ -5147,7 +5220,7 @@
             </a:prstGeom>
             <a:solidFill>
               <a:schemeClr val="accent1">
-                <a:alpha val="85000"/>
+                <a:alpha val="70000"/>
               </a:schemeClr>
             </a:solidFill>
             <a:ln>
@@ -5197,7 +5270,7 @@
           <a:lstStyle/>
           <a:p>
             <a:r>
-              <a:rPr lang="zh-TW" altLang="en-US" smtClean="0"/>
+              <a:rPr lang="zh-TW" altLang="en-US" dirty="0" smtClean="0"/>
               <a:t>按一下以編輯母片標題樣式</a:t>
             </a:r>
             <a:endParaRPr lang="en-US" dirty="0"/>
@@ -5300,7 +5373,7 @@
           </a:lstStyle>
           <a:p>
             <a:fld id="{B61BEF0D-F0BB-DE4B-95CE-6DB70DBA9567}" type="datetimeFigureOut">
-              <a:rPr lang="en-US" dirty="0"/>
+              <a:rPr lang="en-US" smtClean="0"/>
               <a:pPr/>
               <a:t>12/28/2020</a:t>
             </a:fld>
@@ -5377,7 +5450,7 @@
           </a:lstStyle>
           <a:p>
             <a:fld id="{D57F1E4F-1CFF-5643-939E-217C01CDF565}" type="slidenum">
-              <a:rPr lang="en-US" dirty="0"/>
+              <a:rPr lang="en-US" smtClean="0"/>
               <a:pPr/>
               <a:t>‹#›</a:t>
             </a:fld>
@@ -5427,25 +5500,30 @@
         </p:spPr>
       </p:pic>
     </p:spTree>
+    <p:extLst>
+      <p:ext uri="{BB962C8B-B14F-4D97-AF65-F5344CB8AC3E}">
+        <p14:creationId xmlns:p14="http://schemas.microsoft.com/office/powerpoint/2010/main" val="919218110"/>
+      </p:ext>
+    </p:extLst>
   </p:cSld>
   <p:clrMap bg1="lt1" tx1="dk1" bg2="lt2" tx2="dk2" accent1="accent1" accent2="accent2" accent3="accent3" accent4="accent4" accent5="accent5" accent6="accent6" hlink="hlink" folHlink="folHlink"/>
   <p:sldLayoutIdLst>
-    <p:sldLayoutId id="2147483649" r:id="rId1"/>
-    <p:sldLayoutId id="2147483650" r:id="rId2"/>
-    <p:sldLayoutId id="2147483651" r:id="rId3"/>
-    <p:sldLayoutId id="2147483665" r:id="rId4"/>
-    <p:sldLayoutId id="2147483653" r:id="rId5"/>
-    <p:sldLayoutId id="2147483654" r:id="rId6"/>
-    <p:sldLayoutId id="2147483655" r:id="rId7"/>
-    <p:sldLayoutId id="2147483666" r:id="rId8"/>
-    <p:sldLayoutId id="2147483657" r:id="rId9"/>
-    <p:sldLayoutId id="2147483660" r:id="rId10"/>
-    <p:sldLayoutId id="2147483661" r:id="rId11"/>
-    <p:sldLayoutId id="2147483662" r:id="rId12"/>
-    <p:sldLayoutId id="2147483663" r:id="rId13"/>
-    <p:sldLayoutId id="2147483664" r:id="rId14"/>
-    <p:sldLayoutId id="2147483667" r:id="rId15"/>
-    <p:sldLayoutId id="2147483659" r:id="rId16"/>
+    <p:sldLayoutId id="2147483669" r:id="rId1"/>
+    <p:sldLayoutId id="2147483670" r:id="rId2"/>
+    <p:sldLayoutId id="2147483671" r:id="rId3"/>
+    <p:sldLayoutId id="2147483672" r:id="rId4"/>
+    <p:sldLayoutId id="2147483673" r:id="rId5"/>
+    <p:sldLayoutId id="2147483674" r:id="rId6"/>
+    <p:sldLayoutId id="2147483675" r:id="rId7"/>
+    <p:sldLayoutId id="2147483676" r:id="rId8"/>
+    <p:sldLayoutId id="2147483677" r:id="rId9"/>
+    <p:sldLayoutId id="2147483678" r:id="rId10"/>
+    <p:sldLayoutId id="2147483679" r:id="rId11"/>
+    <p:sldLayoutId id="2147483680" r:id="rId12"/>
+    <p:sldLayoutId id="2147483681" r:id="rId13"/>
+    <p:sldLayoutId id="2147483682" r:id="rId14"/>
+    <p:sldLayoutId id="2147483683" r:id="rId15"/>
+    <p:sldLayoutId id="2147483684" r:id="rId16"/>
   </p:sldLayoutIdLst>
   <p:txStyles>
     <p:titleStyle>
@@ -5456,7 +5534,7 @@
         <a:buNone/>
         <a:defRPr sz="3600" kern="1200">
           <a:solidFill>
-            <a:schemeClr val="accent1"/>
+            <a:srgbClr val="0070C0"/>
           </a:solidFill>
           <a:latin typeface="+mj-lt"/>
           <a:ea typeface="+mj-ea"/>
@@ -8288,18 +8366,13 @@
               <a:t>： </a:t>
             </a:r>
             <a:r>
-              <a:rPr lang="en-US" altLang="zh-TW" dirty="0">
-                <a:hlinkClick r:id="rId2"/>
-              </a:rPr>
+              <a:rPr lang="en-US" altLang="zh-TW" dirty="0"/>
               <a:t>https://</a:t>
             </a:r>
             <a:r>
-              <a:rPr lang="en-US" altLang="zh-TW" dirty="0" smtClean="0">
-                <a:hlinkClick r:id="rId2"/>
-              </a:rPr>
+              <a:rPr lang="en-US" altLang="zh-TW" dirty="0" smtClean="0"/>
               <a:t>codecombat.com</a:t>
             </a:r>
-            <a:endParaRPr lang="en-US" altLang="zh-TW" dirty="0" smtClean="0"/>
           </a:p>
           <a:p>
             <a:r>
@@ -8319,18 +8392,13 @@
               <a:t>：</a:t>
             </a:r>
             <a:r>
-              <a:rPr lang="en-US" altLang="zh-TW" dirty="0">
-                <a:hlinkClick r:id="rId3"/>
-              </a:rPr>
+              <a:rPr lang="en-US" altLang="zh-TW" dirty="0"/>
               <a:t>https://leetcode.com</a:t>
             </a:r>
             <a:r>
-              <a:rPr lang="en-US" altLang="zh-TW" dirty="0" smtClean="0">
-                <a:hlinkClick r:id="rId3"/>
-              </a:rPr>
+              <a:rPr lang="en-US" altLang="zh-TW" dirty="0" smtClean="0"/>
               <a:t>/</a:t>
             </a:r>
-            <a:endParaRPr lang="en-US" altLang="zh-TW" dirty="0" smtClean="0"/>
           </a:p>
           <a:p>
             <a:pPr lvl="1"/>
@@ -8343,18 +8411,13 @@
               <a:t>：</a:t>
             </a:r>
             <a:r>
-              <a:rPr lang="en-US" altLang="zh-TW" dirty="0">
-                <a:hlinkClick r:id="rId4"/>
-              </a:rPr>
+              <a:rPr lang="en-US" altLang="zh-TW" dirty="0"/>
               <a:t>https://</a:t>
             </a:r>
             <a:r>
-              <a:rPr lang="en-US" altLang="zh-TW" dirty="0" smtClean="0">
-                <a:hlinkClick r:id="rId4"/>
-              </a:rPr>
+              <a:rPr lang="en-US" altLang="zh-TW" dirty="0" smtClean="0"/>
               <a:t>www.codingame.com/start</a:t>
             </a:r>
-            <a:endParaRPr lang="en-US" altLang="zh-TW" dirty="0" smtClean="0"/>
           </a:p>
           <a:p>
             <a:pPr lvl="1"/>
@@ -9329,8 +9392,8 @@
             </a:prstGeom>
             <a:solidFill>
               <a:schemeClr val="accent1">
-                <a:lumMod val="20000"/>
-                <a:lumOff val="80000"/>
+                <a:lumMod val="60000"/>
+                <a:lumOff val="40000"/>
               </a:schemeClr>
             </a:solidFill>
             <a:ln>
@@ -9393,9 +9456,8 @@
               </a:avLst>
             </a:prstGeom>
             <a:solidFill>
-              <a:schemeClr val="accent2">
-                <a:lumMod val="20000"/>
-                <a:lumOff val="80000"/>
+              <a:schemeClr val="accent1">
+                <a:lumMod val="75000"/>
               </a:schemeClr>
             </a:solidFill>
             <a:ln>
@@ -9458,9 +9520,9 @@
               </a:avLst>
             </a:prstGeom>
             <a:solidFill>
-              <a:schemeClr val="accent4">
-                <a:lumMod val="20000"/>
-                <a:lumOff val="80000"/>
+              <a:schemeClr val="accent2">
+                <a:lumMod val="40000"/>
+                <a:lumOff val="60000"/>
               </a:schemeClr>
             </a:solidFill>
             <a:ln>
@@ -9524,8 +9586,8 @@
             </a:prstGeom>
             <a:solidFill>
               <a:schemeClr val="accent5">
-                <a:lumMod val="20000"/>
-                <a:lumOff val="80000"/>
+                <a:lumMod val="40000"/>
+                <a:lumOff val="60000"/>
               </a:schemeClr>
             </a:solidFill>
             <a:ln>
@@ -9871,7 +9933,7 @@
           <a:lstStyle/>
           <a:p>
             <a:r>
-              <a:rPr lang="en-US" altLang="zh-TW" sz="1400" dirty="0">
+              <a:rPr lang="en-US" altLang="zh-TW" sz="1400" b="1" dirty="0">
                 <a:solidFill>
                   <a:srgbClr val="F92672"/>
                 </a:solidFill>
@@ -9880,7 +9942,7 @@
               <a:t>SELECT</a:t>
             </a:r>
             <a:r>
-              <a:rPr lang="en-US" altLang="zh-TW" sz="1400" dirty="0">
+              <a:rPr lang="en-US" altLang="zh-TW" sz="1400" b="1" dirty="0">
                 <a:solidFill>
                   <a:srgbClr val="ABB2BF"/>
                 </a:solidFill>
@@ -9889,7 +9951,7 @@
               <a:t> </a:t>
             </a:r>
             <a:r>
-              <a:rPr lang="en-US" altLang="zh-TW" sz="1400" dirty="0">
+              <a:rPr lang="en-US" altLang="zh-TW" sz="1400" b="1" dirty="0">
                 <a:solidFill>
                   <a:schemeClr val="tx1"/>
                 </a:solidFill>
@@ -9898,7 +9960,7 @@
               <a:t>age</a:t>
             </a:r>
             <a:r>
-              <a:rPr lang="en-US" altLang="zh-TW" sz="1400" dirty="0">
+              <a:rPr lang="en-US" altLang="zh-TW" sz="1400" b="1" dirty="0">
                 <a:solidFill>
                   <a:srgbClr val="ABB2BF"/>
                 </a:solidFill>
@@ -9907,7 +9969,7 @@
               <a:t> </a:t>
             </a:r>
             <a:r>
-              <a:rPr lang="en-US" altLang="zh-TW" sz="1400" dirty="0">
+              <a:rPr lang="en-US" altLang="zh-TW" sz="1400" b="1" dirty="0">
                 <a:solidFill>
                   <a:srgbClr val="F92672"/>
                 </a:solidFill>
@@ -9916,7 +9978,7 @@
               <a:t>FROM</a:t>
             </a:r>
             <a:r>
-              <a:rPr lang="en-US" altLang="zh-TW" sz="1400" dirty="0">
+              <a:rPr lang="en-US" altLang="zh-TW" sz="1400" b="1" dirty="0">
                 <a:solidFill>
                   <a:srgbClr val="ABB2BF"/>
                 </a:solidFill>
@@ -9925,7 +9987,7 @@
               <a:t> </a:t>
             </a:r>
             <a:r>
-              <a:rPr lang="en-US" altLang="zh-TW" sz="1400" dirty="0">
+              <a:rPr lang="en-US" altLang="zh-TW" sz="1400" b="1" dirty="0">
                 <a:solidFill>
                   <a:srgbClr val="F92672"/>
                 </a:solidFill>
@@ -9934,7 +9996,7 @@
               <a:t>users</a:t>
             </a:r>
             <a:r>
-              <a:rPr lang="en-US" altLang="zh-TW" sz="1400" dirty="0">
+              <a:rPr lang="en-US" altLang="zh-TW" sz="1400" b="1" dirty="0">
                 <a:solidFill>
                   <a:srgbClr val="ABB2BF"/>
                 </a:solidFill>
@@ -9943,7 +10005,7 @@
               <a:t> </a:t>
             </a:r>
             <a:r>
-              <a:rPr lang="en-US" altLang="zh-TW" sz="1400" dirty="0">
+              <a:rPr lang="en-US" altLang="zh-TW" sz="1400" b="1" dirty="0">
                 <a:solidFill>
                   <a:srgbClr val="F92672"/>
                 </a:solidFill>
@@ -9952,7 +10014,7 @@
               <a:t>WHERE</a:t>
             </a:r>
             <a:r>
-              <a:rPr lang="en-US" altLang="zh-TW" sz="1400" dirty="0">
+              <a:rPr lang="en-US" altLang="zh-TW" sz="1400" b="1" dirty="0">
                 <a:solidFill>
                   <a:srgbClr val="ABB2BF"/>
                 </a:solidFill>
@@ -9961,7 +10023,7 @@
               <a:t> </a:t>
             </a:r>
             <a:r>
-              <a:rPr lang="en-US" altLang="zh-TW" sz="1400" dirty="0">
+              <a:rPr lang="en-US" altLang="zh-TW" sz="1400" b="1" dirty="0">
                 <a:solidFill>
                   <a:schemeClr val="tx1"/>
                 </a:solidFill>
@@ -9970,7 +10032,7 @@
               <a:t>age &gt;</a:t>
             </a:r>
             <a:r>
-              <a:rPr lang="en-US" altLang="zh-TW" sz="1400" dirty="0">
+              <a:rPr lang="en-US" altLang="zh-TW" sz="1400" b="1" dirty="0">
                 <a:solidFill>
                   <a:srgbClr val="ABB2BF"/>
                 </a:solidFill>
@@ -9979,7 +10041,7 @@
               <a:t> </a:t>
             </a:r>
             <a:r>
-              <a:rPr lang="en-US" altLang="zh-TW" sz="1400" dirty="0">
+              <a:rPr lang="en-US" altLang="zh-TW" sz="1400" b="1" dirty="0">
                 <a:solidFill>
                   <a:srgbClr val="7030A0"/>
                 </a:solidFill>
@@ -9988,7 +10050,7 @@
               <a:t>20</a:t>
             </a:r>
             <a:r>
-              <a:rPr lang="en-US" altLang="zh-TW" sz="1400" dirty="0">
+              <a:rPr lang="en-US" altLang="zh-TW" sz="1400" b="1" dirty="0">
                 <a:solidFill>
                   <a:srgbClr val="ABB2BF"/>
                 </a:solidFill>
@@ -9997,7 +10059,7 @@
               <a:t> </a:t>
             </a:r>
             <a:r>
-              <a:rPr lang="en-US" altLang="zh-TW" sz="1400" dirty="0">
+              <a:rPr lang="en-US" altLang="zh-TW" sz="1400" b="1" dirty="0">
                 <a:solidFill>
                   <a:srgbClr val="F92672"/>
                 </a:solidFill>
@@ -10006,7 +10068,7 @@
               <a:t>AND</a:t>
             </a:r>
             <a:r>
-              <a:rPr lang="en-US" altLang="zh-TW" sz="1400" dirty="0">
+              <a:rPr lang="en-US" altLang="zh-TW" sz="1400" b="1" dirty="0">
                 <a:solidFill>
                   <a:srgbClr val="ABB2BF"/>
                 </a:solidFill>
@@ -10015,7 +10077,7 @@
               <a:t> </a:t>
             </a:r>
             <a:r>
-              <a:rPr lang="en-US" altLang="zh-TW" sz="1400" dirty="0">
+              <a:rPr lang="en-US" altLang="zh-TW" sz="1400" b="1" dirty="0">
                 <a:solidFill>
                   <a:schemeClr val="tx1"/>
                 </a:solidFill>
@@ -10023,7 +10085,7 @@
               </a:rPr>
               <a:t>gender == 'Female';</a:t>
             </a:r>
-            <a:endParaRPr lang="zh-TW" altLang="en-US" sz="1400" dirty="0">
+            <a:endParaRPr lang="zh-TW" altLang="en-US" sz="1400" b="1" dirty="0">
               <a:solidFill>
                 <a:schemeClr val="tx1"/>
               </a:solidFill>
@@ -10553,6 +10615,9 @@
           <a:prstGeom prst="roundRect">
             <a:avLst/>
           </a:prstGeom>
+          <a:solidFill>
+            <a:srgbClr val="0070C0"/>
+          </a:solidFill>
           <a:ln>
             <a:solidFill>
               <a:schemeClr val="tx1"/>
@@ -10832,6 +10897,9 @@
           <a:prstGeom prst="roundRect">
             <a:avLst/>
           </a:prstGeom>
+          <a:solidFill>
+            <a:srgbClr val="0070C0"/>
+          </a:solidFill>
           <a:ln>
             <a:solidFill>
               <a:schemeClr val="tx1"/>
@@ -11315,6 +11383,9 @@
             <a:chOff x="7460766" y="5255722"/>
             <a:chExt cx="1576008" cy="928914"/>
           </a:xfrm>
+          <a:solidFill>
+            <a:srgbClr val="0070C0"/>
+          </a:solidFill>
         </p:grpSpPr>
         <p:sp>
           <p:nvSpPr>
@@ -11330,6 +11401,7 @@
             <a:prstGeom prst="roundRect">
               <a:avLst/>
             </a:prstGeom>
+            <a:grpFill/>
             <a:ln>
               <a:solidFill>
                 <a:schemeClr val="tx1"/>
@@ -11390,7 +11462,7 @@
               <a:avLst/>
             </a:prstGeom>
             <a:solidFill>
-              <a:schemeClr val="bg1"/>
+              <a:srgbClr val="FFFF00"/>
             </a:solidFill>
           </p:spPr>
           <p:style>
@@ -11433,9 +11505,9 @@
               <a:avLst/>
             </a:prstGeom>
             <a:solidFill>
-              <a:schemeClr val="accent4">
-                <a:lumMod val="20000"/>
-                <a:lumOff val="80000"/>
+              <a:schemeClr val="accent6">
+                <a:lumMod val="40000"/>
+                <a:lumOff val="60000"/>
               </a:schemeClr>
             </a:solidFill>
           </p:spPr>
@@ -11478,6 +11550,9 @@
             <a:chOff x="3858768" y="5248268"/>
             <a:chExt cx="904048" cy="1148915"/>
           </a:xfrm>
+          <a:solidFill>
+            <a:srgbClr val="FFFF00"/>
+          </a:solidFill>
         </p:grpSpPr>
         <p:sp>
           <p:nvSpPr>
@@ -11493,9 +11568,7 @@
             <a:prstGeom prst="rect">
               <a:avLst/>
             </a:prstGeom>
-            <a:solidFill>
-              <a:schemeClr val="bg1"/>
-            </a:solidFill>
+            <a:grpFill/>
             <a:ln>
               <a:solidFill>
                 <a:schemeClr val="tx1"/>
@@ -11541,9 +11614,7 @@
             <a:prstGeom prst="rect">
               <a:avLst/>
             </a:prstGeom>
-            <a:solidFill>
-              <a:schemeClr val="bg1"/>
-            </a:solidFill>
+            <a:grpFill/>
             <a:ln>
               <a:solidFill>
                 <a:schemeClr val="tx1"/>
@@ -11589,9 +11660,7 @@
             <a:prstGeom prst="rect">
               <a:avLst/>
             </a:prstGeom>
-            <a:solidFill>
-              <a:schemeClr val="bg1"/>
-            </a:solidFill>
+            <a:grpFill/>
             <a:ln>
               <a:solidFill>
                 <a:schemeClr val="tx1"/>
@@ -11637,9 +11706,7 @@
             <a:prstGeom prst="rect">
               <a:avLst/>
             </a:prstGeom>
-            <a:solidFill>
-              <a:schemeClr val="bg1"/>
-            </a:solidFill>
+            <a:grpFill/>
             <a:ln>
               <a:solidFill>
                 <a:schemeClr val="tx1"/>
@@ -11685,9 +11752,7 @@
             <a:prstGeom prst="rect">
               <a:avLst/>
             </a:prstGeom>
-            <a:solidFill>
-              <a:schemeClr val="bg1"/>
-            </a:solidFill>
+            <a:grpFill/>
             <a:ln>
               <a:solidFill>
                 <a:schemeClr val="tx1"/>
@@ -11734,9 +11799,9 @@
             <a:chExt cx="904048" cy="1148915"/>
           </a:xfrm>
           <a:solidFill>
-            <a:schemeClr val="accent5">
-              <a:lumMod val="20000"/>
-              <a:lumOff val="80000"/>
+            <a:schemeClr val="accent6">
+              <a:lumMod val="40000"/>
+              <a:lumOff val="60000"/>
             </a:schemeClr>
           </a:solidFill>
         </p:grpSpPr>
@@ -11984,6 +12049,9 @@
             <a:chOff x="3858768" y="5248268"/>
             <a:chExt cx="904048" cy="1148915"/>
           </a:xfrm>
+          <a:solidFill>
+            <a:srgbClr val="FFFF00"/>
+          </a:solidFill>
         </p:grpSpPr>
         <p:sp>
           <p:nvSpPr>
@@ -11999,9 +12067,7 @@
             <a:prstGeom prst="rect">
               <a:avLst/>
             </a:prstGeom>
-            <a:solidFill>
-              <a:schemeClr val="bg1"/>
-            </a:solidFill>
+            <a:grpFill/>
             <a:ln>
               <a:solidFill>
                 <a:schemeClr val="tx1"/>
@@ -12047,9 +12113,7 @@
             <a:prstGeom prst="rect">
               <a:avLst/>
             </a:prstGeom>
-            <a:solidFill>
-              <a:schemeClr val="bg1"/>
-            </a:solidFill>
+            <a:grpFill/>
             <a:ln>
               <a:solidFill>
                 <a:schemeClr val="tx1"/>
@@ -12095,9 +12159,7 @@
             <a:prstGeom prst="rect">
               <a:avLst/>
             </a:prstGeom>
-            <a:solidFill>
-              <a:schemeClr val="bg1"/>
-            </a:solidFill>
+            <a:grpFill/>
             <a:ln>
               <a:solidFill>
                 <a:schemeClr val="tx1"/>
@@ -12143,9 +12205,7 @@
             <a:prstGeom prst="rect">
               <a:avLst/>
             </a:prstGeom>
-            <a:solidFill>
-              <a:schemeClr val="bg1"/>
-            </a:solidFill>
+            <a:grpFill/>
             <a:ln>
               <a:solidFill>
                 <a:schemeClr val="tx1"/>
@@ -12191,9 +12251,7 @@
             <a:prstGeom prst="rect">
               <a:avLst/>
             </a:prstGeom>
-            <a:solidFill>
-              <a:schemeClr val="bg1"/>
-            </a:solidFill>
+            <a:grpFill/>
             <a:ln>
               <a:solidFill>
                 <a:schemeClr val="tx1"/>
@@ -12240,9 +12298,9 @@
             <a:chExt cx="904048" cy="1148915"/>
           </a:xfrm>
           <a:solidFill>
-            <a:schemeClr val="accent5">
-              <a:lumMod val="20000"/>
-              <a:lumOff val="80000"/>
+            <a:schemeClr val="accent6">
+              <a:lumMod val="40000"/>
+              <a:lumOff val="60000"/>
             </a:schemeClr>
           </a:solidFill>
         </p:grpSpPr>
@@ -16287,7 +16345,7 @@
 <file path=ppt/theme/theme1.xml><?xml version="1.0" encoding="utf-8"?>
 <a:theme xmlns:a="http://schemas.openxmlformats.org/drawingml/2006/main" name="多面向">
   <a:themeElements>
-    <a:clrScheme name="Facet">
+    <a:clrScheme name="多面向">
       <a:dk1>
         <a:sysClr val="windowText" lastClr="000000"/>
       </a:dk1>
@@ -16301,31 +16359,31 @@
         <a:srgbClr val="EBEBEB"/>
       </a:lt2>
       <a:accent1>
-        <a:srgbClr val="90C226"/>
+        <a:srgbClr val="5FCBEF"/>
       </a:accent1>
       <a:accent2>
-        <a:srgbClr val="54A021"/>
+        <a:srgbClr val="2E83C3"/>
       </a:accent2>
       <a:accent3>
-        <a:srgbClr val="E6B91E"/>
+        <a:srgbClr val="42D0A2"/>
       </a:accent3>
       <a:accent4>
-        <a:srgbClr val="E76618"/>
+        <a:srgbClr val="2E946B"/>
       </a:accent4>
       <a:accent5>
-        <a:srgbClr val="C42F1A"/>
+        <a:srgbClr val="42B051"/>
       </a:accent5>
       <a:accent6>
-        <a:srgbClr val="918655"/>
+        <a:srgbClr val="96D141"/>
       </a:accent6>
       <a:hlink>
-        <a:srgbClr val="99CA3C"/>
+        <a:srgbClr val="3FCDE7"/>
       </a:hlink>
       <a:folHlink>
-        <a:srgbClr val="B9D181"/>
+        <a:srgbClr val="A9D3E1"/>
       </a:folHlink>
     </a:clrScheme>
-    <a:fontScheme name="Facet">
+    <a:fontScheme name="多面向">
       <a:majorFont>
         <a:latin typeface="Trebuchet MS" panose="020B0603020202020204"/>
         <a:ea typeface=""/>
@@ -16397,7 +16455,7 @@
         <a:font script="Geor" typeface="Sylfaen"/>
       </a:minorFont>
     </a:fontScheme>
-    <a:fmtScheme name="Facet">
+    <a:fmtScheme name="多面向">
       <a:fillStyleLst>
         <a:solidFill>
           <a:schemeClr val="phClr"/>
@@ -16535,7 +16593,7 @@
   <a:extraClrSchemeLst/>
   <a:extLst>
     <a:ext uri="{05A4C25C-085E-4340-85A3-A5531E510DB2}">
-      <thm15:themeFamily xmlns:thm15="http://schemas.microsoft.com/office/thememl/2012/main" name="Facet" id="{C0C680CD-088A-49FC-A102-D699147F32B2}" vid="{CFBC31BA-B70F-4F30-BCAA-4F3011E16C4D}"/>
+      <thm15:themeFamily xmlns:thm15="http://schemas.microsoft.com/office/thememl/2012/main" name="Facet" id="{C0C680CD-088A-49FC-A102-D699147F32B2}" vid="{0B5AB586-D108-4FC1-8368-649FE654B894}"/>
     </a:ext>
   </a:extLst>
 </a:theme>

--- a/LCC/Python/00_Python簡介.pptx
+++ b/LCC/Python/00_Python簡介.pptx
@@ -891,7 +891,7 @@
             <a:fld id="{B61BEF0D-F0BB-DE4B-95CE-6DB70DBA9567}" type="datetimeFigureOut">
               <a:rPr lang="en-US" smtClean="0"/>
               <a:pPr/>
-              <a:t>12/28/2020</a:t>
+              <a:t>12/30/2020</a:t>
             </a:fld>
             <a:endParaRPr lang="en-US" dirty="0"/>
           </a:p>
@@ -1144,7 +1144,7 @@
             <a:fld id="{B61BEF0D-F0BB-DE4B-95CE-6DB70DBA9567}" type="datetimeFigureOut">
               <a:rPr lang="en-US" smtClean="0"/>
               <a:pPr/>
-              <a:t>12/28/2020</a:t>
+              <a:t>12/30/2020</a:t>
             </a:fld>
             <a:endParaRPr lang="en-US" dirty="0"/>
           </a:p>
@@ -1460,7 +1460,7 @@
             <a:fld id="{B61BEF0D-F0BB-DE4B-95CE-6DB70DBA9567}" type="datetimeFigureOut">
               <a:rPr lang="en-US" smtClean="0"/>
               <a:pPr/>
-              <a:t>12/28/2020</a:t>
+              <a:t>12/30/2020</a:t>
             </a:fld>
             <a:endParaRPr lang="en-US" dirty="0"/>
           </a:p>
@@ -1795,7 +1795,7 @@
             <a:fld id="{B61BEF0D-F0BB-DE4B-95CE-6DB70DBA9567}" type="datetimeFigureOut">
               <a:rPr lang="en-US" smtClean="0"/>
               <a:pPr/>
-              <a:t>12/28/2020</a:t>
+              <a:t>12/30/2020</a:t>
             </a:fld>
             <a:endParaRPr lang="en-US" dirty="0"/>
           </a:p>
@@ -2111,7 +2111,7 @@
             <a:fld id="{B61BEF0D-F0BB-DE4B-95CE-6DB70DBA9567}" type="datetimeFigureOut">
               <a:rPr lang="en-US" smtClean="0"/>
               <a:pPr/>
-              <a:t>12/28/2020</a:t>
+              <a:t>12/30/2020</a:t>
             </a:fld>
             <a:endParaRPr lang="en-US" dirty="0"/>
           </a:p>
@@ -2506,7 +2506,7 @@
             <a:fld id="{B61BEF0D-F0BB-DE4B-95CE-6DB70DBA9567}" type="datetimeFigureOut">
               <a:rPr lang="en-US" smtClean="0"/>
               <a:pPr/>
-              <a:t>12/28/2020</a:t>
+              <a:t>12/30/2020</a:t>
             </a:fld>
             <a:endParaRPr lang="en-US" dirty="0"/>
           </a:p>
@@ -2677,7 +2677,7 @@
           <a:p>
             <a:fld id="{55C6B4A9-1611-4792-9094-5F34BCA07E0B}" type="datetimeFigureOut">
               <a:rPr lang="en-US" smtClean="0"/>
-              <a:t>12/28/2020</a:t>
+              <a:t>12/30/2020</a:t>
             </a:fld>
             <a:endParaRPr lang="en-US" dirty="0"/>
           </a:p>
@@ -2858,7 +2858,7 @@
             <a:fld id="{B61BEF0D-F0BB-DE4B-95CE-6DB70DBA9567}" type="datetimeFigureOut">
               <a:rPr lang="en-US" smtClean="0"/>
               <a:pPr/>
-              <a:t>12/28/2020</a:t>
+              <a:t>12/30/2020</a:t>
             </a:fld>
             <a:endParaRPr lang="en-US" dirty="0"/>
           </a:p>
@@ -3030,7 +3030,7 @@
             <a:fld id="{B61BEF0D-F0BB-DE4B-95CE-6DB70DBA9567}" type="datetimeFigureOut">
               <a:rPr lang="en-US" smtClean="0"/>
               <a:pPr/>
-              <a:t>12/28/2020</a:t>
+              <a:t>12/30/2020</a:t>
             </a:fld>
             <a:endParaRPr lang="en-US" dirty="0"/>
           </a:p>
@@ -3279,7 +3279,7 @@
             <a:fld id="{B61BEF0D-F0BB-DE4B-95CE-6DB70DBA9567}" type="datetimeFigureOut">
               <a:rPr lang="en-US" smtClean="0"/>
               <a:pPr/>
-              <a:t>12/28/2020</a:t>
+              <a:t>12/30/2020</a:t>
             </a:fld>
             <a:endParaRPr lang="en-US" dirty="0"/>
           </a:p>
@@ -3512,7 +3512,7 @@
           <a:p>
             <a:fld id="{EB712588-04B1-427B-82EE-E8DB90309F08}" type="datetimeFigureOut">
               <a:rPr lang="en-US" smtClean="0"/>
-              <a:t>12/28/2020</a:t>
+              <a:t>12/30/2020</a:t>
             </a:fld>
             <a:endParaRPr lang="en-US" dirty="0"/>
           </a:p>
@@ -3887,7 +3887,7 @@
             <a:fld id="{B61BEF0D-F0BB-DE4B-95CE-6DB70DBA9567}" type="datetimeFigureOut">
               <a:rPr lang="en-US" smtClean="0"/>
               <a:pPr/>
-              <a:t>12/28/2020</a:t>
+              <a:t>12/30/2020</a:t>
             </a:fld>
             <a:endParaRPr lang="en-US" dirty="0"/>
           </a:p>
@@ -4012,7 +4012,7 @@
             <a:fld id="{B61BEF0D-F0BB-DE4B-95CE-6DB70DBA9567}" type="datetimeFigureOut">
               <a:rPr lang="en-US" smtClean="0"/>
               <a:pPr/>
-              <a:t>12/28/2020</a:t>
+              <a:t>12/30/2020</a:t>
             </a:fld>
             <a:endParaRPr lang="en-US" dirty="0"/>
           </a:p>
@@ -4109,7 +4109,7 @@
             <a:fld id="{B61BEF0D-F0BB-DE4B-95CE-6DB70DBA9567}" type="datetimeFigureOut">
               <a:rPr lang="en-US" smtClean="0"/>
               <a:pPr/>
-              <a:t>12/28/2020</a:t>
+              <a:t>12/30/2020</a:t>
             </a:fld>
             <a:endParaRPr lang="en-US" dirty="0"/>
           </a:p>
@@ -4365,7 +4365,7 @@
           <a:p>
             <a:fld id="{42A54C80-263E-416B-A8E0-580EDEADCBDC}" type="datetimeFigureOut">
               <a:rPr lang="en-US" smtClean="0"/>
-              <a:t>12/28/2020</a:t>
+              <a:t>12/30/2020</a:t>
             </a:fld>
             <a:endParaRPr lang="en-US" dirty="0"/>
           </a:p>
@@ -4672,7 +4672,7 @@
             <a:fld id="{B61BEF0D-F0BB-DE4B-95CE-6DB70DBA9567}" type="datetimeFigureOut">
               <a:rPr lang="en-US" smtClean="0"/>
               <a:pPr/>
-              <a:t>12/28/2020</a:t>
+              <a:t>12/30/2020</a:t>
             </a:fld>
             <a:endParaRPr lang="en-US" dirty="0"/>
           </a:p>
@@ -5375,7 +5375,7 @@
             <a:fld id="{B61BEF0D-F0BB-DE4B-95CE-6DB70DBA9567}" type="datetimeFigureOut">
               <a:rPr lang="en-US" smtClean="0"/>
               <a:pPr/>
-              <a:t>12/28/2020</a:t>
+              <a:t>12/30/2020</a:t>
             </a:fld>
             <a:endParaRPr lang="en-US" dirty="0"/>
           </a:p>
@@ -5986,7 +5986,7 @@
           <a:p>
             <a:fld id="{F45BEF4E-E6DA-4F2D-99A2-66E946C36785}" type="datetime4">
               <a:rPr lang="zh-TW" altLang="zh-TW"/>
-              <a:t>109年12月28日星期一</a:t>
+              <a:t>109年12月30日星期三</a:t>
             </a:fld>
             <a:endParaRPr lang="zh-TW" altLang="en-US" dirty="0"/>
           </a:p>
@@ -9149,7 +9149,7 @@
         <p:spPr>
           <a:xfrm>
             <a:off x="11265408" y="6336792"/>
-            <a:ext cx="667170" cy="369332"/>
+            <a:ext cx="691215" cy="369332"/>
           </a:xfrm>
           <a:prstGeom prst="rect">
             <a:avLst/>
@@ -9163,10 +9163,18 @@
           <a:lstStyle/>
           <a:p>
             <a:r>
-              <a:rPr lang="en-US" altLang="zh-TW" dirty="0" smtClean="0"/>
+              <a:rPr lang="en-US" altLang="zh-TW" b="1" dirty="0" smtClean="0">
+                <a:solidFill>
+                  <a:srgbClr val="FF0000"/>
+                </a:solidFill>
+              </a:rPr>
               <a:t>Back</a:t>
             </a:r>
-            <a:endParaRPr lang="zh-TW" altLang="en-US" dirty="0"/>
+            <a:endParaRPr lang="zh-TW" altLang="en-US" b="1" dirty="0">
+              <a:solidFill>
+                <a:srgbClr val="FF0000"/>
+              </a:solidFill>
+            </a:endParaRPr>
           </a:p>
         </p:txBody>
       </p:sp>
@@ -10104,7 +10112,7 @@
         <p:spPr>
           <a:xfrm>
             <a:off x="11265408" y="6336792"/>
-            <a:ext cx="667170" cy="369332"/>
+            <a:ext cx="691215" cy="369332"/>
           </a:xfrm>
           <a:prstGeom prst="rect">
             <a:avLst/>
@@ -10118,10 +10126,18 @@
           <a:lstStyle/>
           <a:p>
             <a:r>
-              <a:rPr lang="en-US" altLang="zh-TW" dirty="0" smtClean="0"/>
+              <a:rPr lang="en-US" altLang="zh-TW" b="1" dirty="0" smtClean="0">
+                <a:solidFill>
+                  <a:srgbClr val="FF0000"/>
+                </a:solidFill>
+              </a:rPr>
               <a:t>Back</a:t>
             </a:r>
-            <a:endParaRPr lang="zh-TW" altLang="en-US" dirty="0"/>
+            <a:endParaRPr lang="zh-TW" altLang="en-US" b="1" dirty="0">
+              <a:solidFill>
+                <a:srgbClr val="FF0000"/>
+              </a:solidFill>
+            </a:endParaRPr>
           </a:p>
         </p:txBody>
       </p:sp>
@@ -11343,173 +11359,6 @@
                 <a:schemeClr val="tx1"/>
               </a:solidFill>
             </a:ln>
-          </p:spPr>
-          <p:style>
-            <a:lnRef idx="2">
-              <a:schemeClr val="accent1">
-                <a:shade val="50000"/>
-              </a:schemeClr>
-            </a:lnRef>
-            <a:fillRef idx="1">
-              <a:schemeClr val="accent1"/>
-            </a:fillRef>
-            <a:effectRef idx="0">
-              <a:schemeClr val="accent1"/>
-            </a:effectRef>
-            <a:fontRef idx="minor">
-              <a:schemeClr val="lt1"/>
-            </a:fontRef>
-          </p:style>
-          <p:txBody>
-            <a:bodyPr rtlCol="0" anchor="ctr"/>
-            <a:lstStyle/>
-            <a:p>
-              <a:pPr algn="ctr"/>
-              <a:endParaRPr lang="zh-TW" altLang="en-US"/>
-            </a:p>
-          </p:txBody>
-        </p:sp>
-      </p:grpSp>
-      <p:grpSp>
-        <p:nvGrpSpPr>
-          <p:cNvPr id="51" name="群組 50"/>
-          <p:cNvGrpSpPr/>
-          <p:nvPr/>
-        </p:nvGrpSpPr>
-        <p:grpSpPr>
-          <a:xfrm>
-            <a:off x="8310959" y="3941463"/>
-            <a:ext cx="1576008" cy="928914"/>
-            <a:chOff x="7460766" y="5255722"/>
-            <a:chExt cx="1576008" cy="928914"/>
-          </a:xfrm>
-          <a:solidFill>
-            <a:srgbClr val="0070C0"/>
-          </a:solidFill>
-        </p:grpSpPr>
-        <p:sp>
-          <p:nvSpPr>
-            <p:cNvPr id="48" name="圓角矩形 47"/>
-            <p:cNvSpPr/>
-            <p:nvPr/>
-          </p:nvSpPr>
-          <p:spPr>
-            <a:xfrm>
-              <a:off x="7460766" y="5255722"/>
-              <a:ext cx="1576008" cy="928914"/>
-            </a:xfrm>
-            <a:prstGeom prst="roundRect">
-              <a:avLst/>
-            </a:prstGeom>
-            <a:grpFill/>
-            <a:ln>
-              <a:solidFill>
-                <a:schemeClr val="tx1"/>
-              </a:solidFill>
-            </a:ln>
-          </p:spPr>
-          <p:style>
-            <a:lnRef idx="2">
-              <a:schemeClr val="accent1">
-                <a:shade val="50000"/>
-              </a:schemeClr>
-            </a:lnRef>
-            <a:fillRef idx="1">
-              <a:schemeClr val="accent1"/>
-            </a:fillRef>
-            <a:effectRef idx="0">
-              <a:schemeClr val="accent1"/>
-            </a:effectRef>
-            <a:fontRef idx="minor">
-              <a:schemeClr val="lt1"/>
-            </a:fontRef>
-          </p:style>
-          <p:txBody>
-            <a:bodyPr rtlCol="0" anchor="ctr"/>
-            <a:lstStyle/>
-            <a:p>
-              <a:pPr algn="ctr"/>
-              <a:r>
-                <a:rPr lang="zh-TW" altLang="en-US" b="1" dirty="0" smtClean="0"/>
-                <a:t>直譯器</a:t>
-              </a:r>
-              <a:endParaRPr lang="en-US" altLang="zh-TW" b="1" dirty="0" smtClean="0"/>
-            </a:p>
-            <a:p>
-              <a:pPr algn="ctr"/>
-              <a:r>
-                <a:rPr lang="en-US" altLang="zh-TW" b="1" dirty="0" smtClean="0">
-                  <a:sym typeface="Wingdings" panose="05000000000000000000" pitchFamily="2" charset="2"/>
-                </a:rPr>
-                <a:t></a:t>
-              </a:r>
-              <a:endParaRPr lang="zh-TW" altLang="en-US" b="1" dirty="0"/>
-            </a:p>
-          </p:txBody>
-        </p:sp>
-        <p:sp>
-          <p:nvSpPr>
-            <p:cNvPr id="49" name="矩形 48"/>
-            <p:cNvSpPr/>
-            <p:nvPr/>
-          </p:nvSpPr>
-          <p:spPr>
-            <a:xfrm>
-              <a:off x="7549028" y="5831515"/>
-              <a:ext cx="502920" cy="70437"/>
-            </a:xfrm>
-            <a:prstGeom prst="rect">
-              <a:avLst/>
-            </a:prstGeom>
-            <a:solidFill>
-              <a:srgbClr val="FFFF00"/>
-            </a:solidFill>
-          </p:spPr>
-          <p:style>
-            <a:lnRef idx="2">
-              <a:schemeClr val="accent1">
-                <a:shade val="50000"/>
-              </a:schemeClr>
-            </a:lnRef>
-            <a:fillRef idx="1">
-              <a:schemeClr val="accent1"/>
-            </a:fillRef>
-            <a:effectRef idx="0">
-              <a:schemeClr val="accent1"/>
-            </a:effectRef>
-            <a:fontRef idx="minor">
-              <a:schemeClr val="lt1"/>
-            </a:fontRef>
-          </p:style>
-          <p:txBody>
-            <a:bodyPr rtlCol="0" anchor="ctr"/>
-            <a:lstStyle/>
-            <a:p>
-              <a:pPr algn="ctr"/>
-              <a:endParaRPr lang="zh-TW" altLang="en-US"/>
-            </a:p>
-          </p:txBody>
-        </p:sp>
-        <p:sp>
-          <p:nvSpPr>
-            <p:cNvPr id="50" name="矩形 49"/>
-            <p:cNvSpPr/>
-            <p:nvPr/>
-          </p:nvSpPr>
-          <p:spPr>
-            <a:xfrm>
-              <a:off x="8426865" y="5829158"/>
-              <a:ext cx="502920" cy="70437"/>
-            </a:xfrm>
-            <a:prstGeom prst="rect">
-              <a:avLst/>
-            </a:prstGeom>
-            <a:solidFill>
-              <a:schemeClr val="accent6">
-                <a:lumMod val="40000"/>
-                <a:lumOff val="60000"/>
-              </a:schemeClr>
-            </a:solidFill>
           </p:spPr>
           <p:style>
             <a:lnRef idx="2">
@@ -12044,8 +11893,8 @@
         </p:nvGrpSpPr>
         <p:grpSpPr>
           <a:xfrm>
-            <a:off x="3970534" y="4635670"/>
-            <a:ext cx="188816" cy="345146"/>
+            <a:off x="3970534" y="4753058"/>
+            <a:ext cx="226562" cy="227758"/>
             <a:chOff x="3858768" y="5248268"/>
             <a:chExt cx="904048" cy="1148915"/>
           </a:xfrm>
@@ -12762,7 +12611,7 @@
         <p:spPr>
           <a:xfrm>
             <a:off x="11265408" y="6336792"/>
-            <a:ext cx="667170" cy="369332"/>
+            <a:ext cx="691215" cy="369332"/>
           </a:xfrm>
           <a:prstGeom prst="rect">
             <a:avLst/>
@@ -12776,10 +12625,18 @@
           <a:lstStyle/>
           <a:p>
             <a:r>
-              <a:rPr lang="en-US" altLang="zh-TW" dirty="0" smtClean="0"/>
+              <a:rPr lang="en-US" altLang="zh-TW" b="1" dirty="0" smtClean="0">
+                <a:solidFill>
+                  <a:srgbClr val="FF0000"/>
+                </a:solidFill>
+              </a:rPr>
               <a:t>Back</a:t>
             </a:r>
-            <a:endParaRPr lang="zh-TW" altLang="en-US" dirty="0"/>
+            <a:endParaRPr lang="zh-TW" altLang="en-US" b="1" dirty="0">
+              <a:solidFill>
+                <a:srgbClr val="FF0000"/>
+              </a:solidFill>
+            </a:endParaRPr>
           </a:p>
         </p:txBody>
       </p:sp>
@@ -12863,6 +12720,390 @@
           </a:fontRef>
         </p:style>
       </p:cxnSp>
+      <p:grpSp>
+        <p:nvGrpSpPr>
+          <p:cNvPr id="3" name="群組 2"/>
+          <p:cNvGrpSpPr/>
+          <p:nvPr/>
+        </p:nvGrpSpPr>
+        <p:grpSpPr>
+          <a:xfrm>
+            <a:off x="8310959" y="3941463"/>
+            <a:ext cx="1576008" cy="928914"/>
+            <a:chOff x="8310959" y="3941463"/>
+            <a:chExt cx="1576008" cy="928914"/>
+          </a:xfrm>
+        </p:grpSpPr>
+        <p:sp>
+          <p:nvSpPr>
+            <p:cNvPr id="48" name="圓角矩形 47"/>
+            <p:cNvSpPr/>
+            <p:nvPr/>
+          </p:nvSpPr>
+          <p:spPr>
+            <a:xfrm>
+              <a:off x="8310959" y="3941463"/>
+              <a:ext cx="1576008" cy="928914"/>
+            </a:xfrm>
+            <a:prstGeom prst="roundRect">
+              <a:avLst/>
+            </a:prstGeom>
+            <a:solidFill>
+              <a:srgbClr val="0070C0"/>
+            </a:solidFill>
+            <a:ln>
+              <a:solidFill>
+                <a:schemeClr val="tx1"/>
+              </a:solidFill>
+            </a:ln>
+          </p:spPr>
+          <p:style>
+            <a:lnRef idx="2">
+              <a:schemeClr val="accent1">
+                <a:shade val="50000"/>
+              </a:schemeClr>
+            </a:lnRef>
+            <a:fillRef idx="1">
+              <a:schemeClr val="accent1"/>
+            </a:fillRef>
+            <a:effectRef idx="0">
+              <a:schemeClr val="accent1"/>
+            </a:effectRef>
+            <a:fontRef idx="minor">
+              <a:schemeClr val="lt1"/>
+            </a:fontRef>
+          </p:style>
+          <p:txBody>
+            <a:bodyPr rtlCol="0" anchor="ctr"/>
+            <a:lstStyle/>
+            <a:p>
+              <a:pPr algn="ctr"/>
+              <a:r>
+                <a:rPr lang="zh-TW" altLang="en-US" b="1" dirty="0" smtClean="0"/>
+                <a:t>直譯器</a:t>
+              </a:r>
+              <a:endParaRPr lang="en-US" altLang="zh-TW" b="1" dirty="0" smtClean="0"/>
+            </a:p>
+            <a:p>
+              <a:pPr algn="ctr"/>
+              <a:r>
+                <a:rPr lang="en-US" altLang="zh-TW" b="1" dirty="0" smtClean="0">
+                  <a:sym typeface="Wingdings" panose="05000000000000000000" pitchFamily="2" charset="2"/>
+                </a:rPr>
+                <a:t></a:t>
+              </a:r>
+              <a:endParaRPr lang="zh-TW" altLang="en-US" b="1" dirty="0"/>
+            </a:p>
+          </p:txBody>
+        </p:sp>
+        <p:sp>
+          <p:nvSpPr>
+            <p:cNvPr id="49" name="矩形 48"/>
+            <p:cNvSpPr/>
+            <p:nvPr/>
+          </p:nvSpPr>
+          <p:spPr>
+            <a:xfrm>
+              <a:off x="8399221" y="4517256"/>
+              <a:ext cx="502920" cy="70437"/>
+            </a:xfrm>
+            <a:prstGeom prst="rect">
+              <a:avLst/>
+            </a:prstGeom>
+            <a:solidFill>
+              <a:srgbClr val="FFFF00"/>
+            </a:solidFill>
+          </p:spPr>
+          <p:style>
+            <a:lnRef idx="2">
+              <a:schemeClr val="accent1">
+                <a:shade val="50000"/>
+              </a:schemeClr>
+            </a:lnRef>
+            <a:fillRef idx="1">
+              <a:schemeClr val="accent1"/>
+            </a:fillRef>
+            <a:effectRef idx="0">
+              <a:schemeClr val="accent1"/>
+            </a:effectRef>
+            <a:fontRef idx="minor">
+              <a:schemeClr val="lt1"/>
+            </a:fontRef>
+          </p:style>
+          <p:txBody>
+            <a:bodyPr rtlCol="0" anchor="ctr"/>
+            <a:lstStyle/>
+            <a:p>
+              <a:pPr algn="ctr"/>
+              <a:endParaRPr lang="zh-TW" altLang="en-US"/>
+            </a:p>
+          </p:txBody>
+        </p:sp>
+        <p:sp>
+          <p:nvSpPr>
+            <p:cNvPr id="50" name="矩形 49"/>
+            <p:cNvSpPr/>
+            <p:nvPr/>
+          </p:nvSpPr>
+          <p:spPr>
+            <a:xfrm>
+              <a:off x="9277058" y="4514899"/>
+              <a:ext cx="502920" cy="70437"/>
+            </a:xfrm>
+            <a:prstGeom prst="rect">
+              <a:avLst/>
+            </a:prstGeom>
+            <a:solidFill>
+              <a:schemeClr val="accent6">
+                <a:lumMod val="40000"/>
+                <a:lumOff val="60000"/>
+              </a:schemeClr>
+            </a:solidFill>
+          </p:spPr>
+          <p:style>
+            <a:lnRef idx="2">
+              <a:schemeClr val="accent1">
+                <a:shade val="50000"/>
+              </a:schemeClr>
+            </a:lnRef>
+            <a:fillRef idx="1">
+              <a:schemeClr val="accent1"/>
+            </a:fillRef>
+            <a:effectRef idx="0">
+              <a:schemeClr val="accent1"/>
+            </a:effectRef>
+            <a:fontRef idx="minor">
+              <a:schemeClr val="lt1"/>
+            </a:fontRef>
+          </p:style>
+          <p:txBody>
+            <a:bodyPr rtlCol="0" anchor="ctr"/>
+            <a:lstStyle/>
+            <a:p>
+              <a:pPr algn="ctr"/>
+              <a:endParaRPr lang="zh-TW" altLang="en-US"/>
+            </a:p>
+          </p:txBody>
+        </p:sp>
+        <p:sp>
+          <p:nvSpPr>
+            <p:cNvPr id="78" name="矩形 77"/>
+            <p:cNvSpPr/>
+            <p:nvPr/>
+          </p:nvSpPr>
+          <p:spPr>
+            <a:xfrm>
+              <a:off x="9277812" y="4445054"/>
+              <a:ext cx="502920" cy="70437"/>
+            </a:xfrm>
+            <a:prstGeom prst="rect">
+              <a:avLst/>
+            </a:prstGeom>
+            <a:solidFill>
+              <a:schemeClr val="accent6">
+                <a:lumMod val="40000"/>
+                <a:lumOff val="60000"/>
+              </a:schemeClr>
+            </a:solidFill>
+          </p:spPr>
+          <p:style>
+            <a:lnRef idx="2">
+              <a:schemeClr val="accent1">
+                <a:shade val="50000"/>
+              </a:schemeClr>
+            </a:lnRef>
+            <a:fillRef idx="1">
+              <a:schemeClr val="accent1"/>
+            </a:fillRef>
+            <a:effectRef idx="0">
+              <a:schemeClr val="accent1"/>
+            </a:effectRef>
+            <a:fontRef idx="minor">
+              <a:schemeClr val="lt1"/>
+            </a:fontRef>
+          </p:style>
+          <p:txBody>
+            <a:bodyPr rtlCol="0" anchor="ctr"/>
+            <a:lstStyle/>
+            <a:p>
+              <a:pPr algn="ctr"/>
+              <a:endParaRPr lang="zh-TW" altLang="en-US"/>
+            </a:p>
+          </p:txBody>
+        </p:sp>
+        <p:sp>
+          <p:nvSpPr>
+            <p:cNvPr id="79" name="矩形 78"/>
+            <p:cNvSpPr/>
+            <p:nvPr/>
+          </p:nvSpPr>
+          <p:spPr>
+            <a:xfrm>
+              <a:off x="9277820" y="4585003"/>
+              <a:ext cx="502920" cy="70437"/>
+            </a:xfrm>
+            <a:prstGeom prst="rect">
+              <a:avLst/>
+            </a:prstGeom>
+            <a:solidFill>
+              <a:schemeClr val="accent6">
+                <a:lumMod val="40000"/>
+                <a:lumOff val="60000"/>
+              </a:schemeClr>
+            </a:solidFill>
+          </p:spPr>
+          <p:style>
+            <a:lnRef idx="2">
+              <a:schemeClr val="accent1">
+                <a:shade val="50000"/>
+              </a:schemeClr>
+            </a:lnRef>
+            <a:fillRef idx="1">
+              <a:schemeClr val="accent1"/>
+            </a:fillRef>
+            <a:effectRef idx="0">
+              <a:schemeClr val="accent1"/>
+            </a:effectRef>
+            <a:fontRef idx="minor">
+              <a:schemeClr val="lt1"/>
+            </a:fontRef>
+          </p:style>
+          <p:txBody>
+            <a:bodyPr rtlCol="0" anchor="ctr"/>
+            <a:lstStyle/>
+            <a:p>
+              <a:pPr algn="ctr"/>
+              <a:endParaRPr lang="zh-TW" altLang="en-US"/>
+            </a:p>
+          </p:txBody>
+        </p:sp>
+        <p:sp>
+          <p:nvSpPr>
+            <p:cNvPr id="82" name="矩形 81"/>
+            <p:cNvSpPr/>
+            <p:nvPr/>
+          </p:nvSpPr>
+          <p:spPr>
+            <a:xfrm>
+              <a:off x="9277820" y="4653583"/>
+              <a:ext cx="502920" cy="70437"/>
+            </a:xfrm>
+            <a:prstGeom prst="rect">
+              <a:avLst/>
+            </a:prstGeom>
+            <a:solidFill>
+              <a:schemeClr val="accent6">
+                <a:lumMod val="40000"/>
+                <a:lumOff val="60000"/>
+              </a:schemeClr>
+            </a:solidFill>
+          </p:spPr>
+          <p:style>
+            <a:lnRef idx="2">
+              <a:schemeClr val="accent1">
+                <a:shade val="50000"/>
+              </a:schemeClr>
+            </a:lnRef>
+            <a:fillRef idx="1">
+              <a:schemeClr val="accent1"/>
+            </a:fillRef>
+            <a:effectRef idx="0">
+              <a:schemeClr val="accent1"/>
+            </a:effectRef>
+            <a:fontRef idx="minor">
+              <a:schemeClr val="lt1"/>
+            </a:fontRef>
+          </p:style>
+          <p:txBody>
+            <a:bodyPr rtlCol="0" anchor="ctr"/>
+            <a:lstStyle/>
+            <a:p>
+              <a:pPr algn="ctr"/>
+              <a:endParaRPr lang="zh-TW" altLang="en-US"/>
+            </a:p>
+          </p:txBody>
+        </p:sp>
+      </p:grpSp>
+      <p:sp>
+        <p:nvSpPr>
+          <p:cNvPr id="7" name="流程圖: 磁碟 6"/>
+          <p:cNvSpPr/>
+          <p:nvPr/>
+        </p:nvSpPr>
+        <p:spPr>
+          <a:xfrm>
+            <a:off x="6430974" y="3256146"/>
+            <a:ext cx="615696" cy="456777"/>
+          </a:xfrm>
+          <a:prstGeom prst="flowChartMagneticDisk">
+            <a:avLst/>
+          </a:prstGeom>
+        </p:spPr>
+        <p:style>
+          <a:lnRef idx="2">
+            <a:schemeClr val="accent1">
+              <a:shade val="50000"/>
+            </a:schemeClr>
+          </a:lnRef>
+          <a:fillRef idx="1">
+            <a:schemeClr val="accent1"/>
+          </a:fillRef>
+          <a:effectRef idx="0">
+            <a:schemeClr val="accent1"/>
+          </a:effectRef>
+          <a:fontRef idx="minor">
+            <a:schemeClr val="lt1"/>
+          </a:fontRef>
+        </p:style>
+        <p:txBody>
+          <a:bodyPr rtlCol="0" anchor="ctr"/>
+          <a:lstStyle/>
+          <a:p>
+            <a:pPr algn="ctr"/>
+            <a:endParaRPr lang="zh-TW" altLang="en-US"/>
+          </a:p>
+        </p:txBody>
+      </p:sp>
+      <p:sp>
+        <p:nvSpPr>
+          <p:cNvPr id="83" name="流程圖: 磁碟 82"/>
+          <p:cNvSpPr/>
+          <p:nvPr/>
+        </p:nvSpPr>
+        <p:spPr>
+          <a:xfrm>
+            <a:off x="6431949" y="4912155"/>
+            <a:ext cx="615696" cy="456777"/>
+          </a:xfrm>
+          <a:prstGeom prst="flowChartMagneticDisk">
+            <a:avLst/>
+          </a:prstGeom>
+        </p:spPr>
+        <p:style>
+          <a:lnRef idx="2">
+            <a:schemeClr val="accent1">
+              <a:shade val="50000"/>
+            </a:schemeClr>
+          </a:lnRef>
+          <a:fillRef idx="1">
+            <a:schemeClr val="accent1"/>
+          </a:fillRef>
+          <a:effectRef idx="0">
+            <a:schemeClr val="accent1"/>
+          </a:effectRef>
+          <a:fontRef idx="minor">
+            <a:schemeClr val="lt1"/>
+          </a:fontRef>
+        </p:style>
+        <p:txBody>
+          <a:bodyPr rtlCol="0" anchor="ctr"/>
+          <a:lstStyle/>
+          <a:p>
+            <a:pPr algn="ctr"/>
+            <a:endParaRPr lang="zh-TW" altLang="en-US"/>
+          </a:p>
+        </p:txBody>
+      </p:sp>
     </p:spTree>
     <p:extLst>
       <p:ext uri="{BB962C8B-B14F-4D97-AF65-F5344CB8AC3E}">
